--- a/api-days-interface-2020/img/product-platform-program-strategy.pptx
+++ b/api-days-interface-2020/img/product-platform-program-strategy.pptx
@@ -104,6 +104,11 @@
       </a:defRPr>
     </a:lvl9pPr>
   </p:defaultTextStyle>
+  <p:extLst>
+    <p:ext uri="{EFAFB233-063F-42B5-8137-9DF3F51BA10A}">
+      <p15:sldGuideLst xmlns:p15="http://schemas.microsoft.com/office/powerpoint/2012/main"/>
+    </p:ext>
+  </p:extLst>
 </p:presentation>
 </file>
 
@@ -254,7 +259,7 @@
           <a:p>
             <a:fld id="{DACDEA79-B42A-9346-82C3-AEAE6883A282}" type="datetimeFigureOut">
               <a:rPr lang="en-US" smtClean="0"/>
-              <a:t>6/29/20</a:t>
+              <a:t>6/30/20</a:t>
             </a:fld>
             <a:endParaRPr lang="en-US"/>
           </a:p>
@@ -452,7 +457,7 @@
           <a:p>
             <a:fld id="{DACDEA79-B42A-9346-82C3-AEAE6883A282}" type="datetimeFigureOut">
               <a:rPr lang="en-US" smtClean="0"/>
-              <a:t>6/29/20</a:t>
+              <a:t>6/30/20</a:t>
             </a:fld>
             <a:endParaRPr lang="en-US"/>
           </a:p>
@@ -660,7 +665,7 @@
           <a:p>
             <a:fld id="{DACDEA79-B42A-9346-82C3-AEAE6883A282}" type="datetimeFigureOut">
               <a:rPr lang="en-US" smtClean="0"/>
-              <a:t>6/29/20</a:t>
+              <a:t>6/30/20</a:t>
             </a:fld>
             <a:endParaRPr lang="en-US"/>
           </a:p>
@@ -858,7 +863,7 @@
           <a:p>
             <a:fld id="{DACDEA79-B42A-9346-82C3-AEAE6883A282}" type="datetimeFigureOut">
               <a:rPr lang="en-US" smtClean="0"/>
-              <a:t>6/29/20</a:t>
+              <a:t>6/30/20</a:t>
             </a:fld>
             <a:endParaRPr lang="en-US"/>
           </a:p>
@@ -1133,7 +1138,7 @@
           <a:p>
             <a:fld id="{DACDEA79-B42A-9346-82C3-AEAE6883A282}" type="datetimeFigureOut">
               <a:rPr lang="en-US" smtClean="0"/>
-              <a:t>6/29/20</a:t>
+              <a:t>6/30/20</a:t>
             </a:fld>
             <a:endParaRPr lang="en-US"/>
           </a:p>
@@ -1398,7 +1403,7 @@
           <a:p>
             <a:fld id="{DACDEA79-B42A-9346-82C3-AEAE6883A282}" type="datetimeFigureOut">
               <a:rPr lang="en-US" smtClean="0"/>
-              <a:t>6/29/20</a:t>
+              <a:t>6/30/20</a:t>
             </a:fld>
             <a:endParaRPr lang="en-US"/>
           </a:p>
@@ -1810,7 +1815,7 @@
           <a:p>
             <a:fld id="{DACDEA79-B42A-9346-82C3-AEAE6883A282}" type="datetimeFigureOut">
               <a:rPr lang="en-US" smtClean="0"/>
-              <a:t>6/29/20</a:t>
+              <a:t>6/30/20</a:t>
             </a:fld>
             <a:endParaRPr lang="en-US"/>
           </a:p>
@@ -1951,7 +1956,7 @@
           <a:p>
             <a:fld id="{DACDEA79-B42A-9346-82C3-AEAE6883A282}" type="datetimeFigureOut">
               <a:rPr lang="en-US" smtClean="0"/>
-              <a:t>6/29/20</a:t>
+              <a:t>6/30/20</a:t>
             </a:fld>
             <a:endParaRPr lang="en-US"/>
           </a:p>
@@ -2064,7 +2069,7 @@
           <a:p>
             <a:fld id="{DACDEA79-B42A-9346-82C3-AEAE6883A282}" type="datetimeFigureOut">
               <a:rPr lang="en-US" smtClean="0"/>
-              <a:t>6/29/20</a:t>
+              <a:t>6/30/20</a:t>
             </a:fld>
             <a:endParaRPr lang="en-US"/>
           </a:p>
@@ -2375,7 +2380,7 @@
           <a:p>
             <a:fld id="{DACDEA79-B42A-9346-82C3-AEAE6883A282}" type="datetimeFigureOut">
               <a:rPr lang="en-US" smtClean="0"/>
-              <a:t>6/29/20</a:t>
+              <a:t>6/30/20</a:t>
             </a:fld>
             <a:endParaRPr lang="en-US"/>
           </a:p>
@@ -2663,7 +2668,7 @@
           <a:p>
             <a:fld id="{DACDEA79-B42A-9346-82C3-AEAE6883A282}" type="datetimeFigureOut">
               <a:rPr lang="en-US" smtClean="0"/>
-              <a:t>6/29/20</a:t>
+              <a:t>6/30/20</a:t>
             </a:fld>
             <a:endParaRPr lang="en-US"/>
           </a:p>
@@ -2904,7 +2909,7 @@
           <a:p>
             <a:fld id="{DACDEA79-B42A-9346-82C3-AEAE6883A282}" type="datetimeFigureOut">
               <a:rPr lang="en-US" smtClean="0"/>
-              <a:t>6/29/20</a:t>
+              <a:t>6/30/20</a:t>
             </a:fld>
             <a:endParaRPr lang="en-US"/>
           </a:p>
@@ -3336,7 +3341,7 @@
         <p:spPr>
           <a:xfrm>
             <a:off x="1061482" y="839972"/>
-            <a:ext cx="8039988" cy="3242931"/>
+            <a:ext cx="7625318" cy="3242931"/>
           </a:xfrm>
           <a:prstGeom prst="rect">
             <a:avLst/>
@@ -3415,7 +3420,6 @@
             </a:endParaRPr>
           </a:p>
           <a:p>
-            <a:pPr algn="ctr"/>
             <a:r>
               <a:rPr lang="en-US" sz="3200" dirty="0">
                 <a:solidFill>
@@ -3425,7 +3429,7 @@
                   </a:schemeClr>
                 </a:solidFill>
               </a:rPr>
-              <a:t>API Products</a:t>
+              <a:t>                 </a:t>
             </a:r>
             <a:endParaRPr lang="en-US" sz="3200" dirty="0"/>
           </a:p>
@@ -3436,7 +3440,7 @@
           <a:p>
             <a:pPr algn="ctr"/>
             <a:r>
-              <a:rPr lang="en-US" sz="3200" dirty="0">
+              <a:rPr lang="en-US" sz="2800" dirty="0">
                 <a:solidFill>
                   <a:schemeClr val="tx1">
                     <a:lumMod val="65000"/>
@@ -3463,7 +3467,7 @@
         </p:nvSpPr>
         <p:spPr>
           <a:xfrm>
-            <a:off x="2223307" y="1064475"/>
+            <a:off x="1672518" y="1095975"/>
             <a:ext cx="731209" cy="731209"/>
           </a:xfrm>
           <a:prstGeom prst="ellipse">
@@ -3474,7 +3478,9 @@
           </a:solidFill>
           <a:ln w="19050">
             <a:solidFill>
-              <a:schemeClr val="accent1"/>
+              <a:schemeClr val="accent2">
+                <a:lumMod val="75000"/>
+              </a:schemeClr>
             </a:solidFill>
           </a:ln>
         </p:spPr>
@@ -3520,7 +3526,7 @@
         </p:nvSpPr>
         <p:spPr>
           <a:xfrm>
-            <a:off x="3550386" y="1326192"/>
+            <a:off x="3188213" y="1166490"/>
             <a:ext cx="731209" cy="731209"/>
           </a:xfrm>
           <a:prstGeom prst="ellipse">
@@ -3528,7 +3534,10 @@
           </a:prstGeom>
           <a:ln w="19050">
             <a:solidFill>
-              <a:schemeClr val="accent1"/>
+              <a:schemeClr val="accent1">
+                <a:lumMod val="60000"/>
+                <a:lumOff val="40000"/>
+              </a:schemeClr>
             </a:solidFill>
           </a:ln>
         </p:spPr>
@@ -3574,7 +3583,7 @@
         </p:nvSpPr>
         <p:spPr>
           <a:xfrm>
-            <a:off x="2706424" y="1836552"/>
+            <a:off x="2438976" y="1897699"/>
             <a:ext cx="731209" cy="731209"/>
           </a:xfrm>
           <a:prstGeom prst="ellipse">
@@ -3585,7 +3594,7 @@
           </a:solidFill>
           <a:ln w="19050">
             <a:solidFill>
-              <a:schemeClr val="accent1"/>
+              <a:srgbClr val="FFFF00"/>
             </a:solidFill>
           </a:ln>
         </p:spPr>
@@ -3631,7 +3640,7 @@
         </p:nvSpPr>
         <p:spPr>
           <a:xfrm>
-            <a:off x="4475639" y="1104124"/>
+            <a:off x="4038919" y="1775641"/>
             <a:ext cx="731209" cy="731209"/>
           </a:xfrm>
           <a:prstGeom prst="ellipse">
@@ -3642,7 +3651,10 @@
           </a:solidFill>
           <a:ln w="19050">
             <a:solidFill>
-              <a:schemeClr val="accent1"/>
+              <a:schemeClr val="accent6">
+                <a:lumMod val="60000"/>
+                <a:lumOff val="40000"/>
+              </a:schemeClr>
             </a:solidFill>
           </a:ln>
         </p:spPr>
@@ -3688,20 +3700,18 @@
         </p:nvSpPr>
         <p:spPr>
           <a:xfrm>
-            <a:off x="1415566" y="1674629"/>
+            <a:off x="1387394" y="2325663"/>
             <a:ext cx="731209" cy="731209"/>
           </a:xfrm>
           <a:prstGeom prst="ellipse">
             <a:avLst/>
           </a:prstGeom>
           <a:solidFill>
-            <a:schemeClr val="bg2">
-              <a:lumMod val="50000"/>
-            </a:schemeClr>
+            <a:srgbClr val="FF40FF"/>
           </a:solidFill>
           <a:ln w="19050">
             <a:solidFill>
-              <a:schemeClr val="accent1"/>
+              <a:srgbClr val="FF82D6"/>
             </a:solidFill>
           </a:ln>
         </p:spPr>
@@ -3748,7 +3758,7 @@
         <p:spPr>
           <a:xfrm>
             <a:off x="1061483" y="4165305"/>
-            <a:ext cx="8039988" cy="809507"/>
+            <a:ext cx="7625317" cy="809507"/>
           </a:xfrm>
           <a:prstGeom prst="rect">
             <a:avLst/>
@@ -3783,7 +3793,7 @@
           <a:p>
             <a:pPr algn="ctr"/>
             <a:r>
-              <a:rPr lang="en-US" sz="3200" dirty="0">
+              <a:rPr lang="en-US" sz="2800" dirty="0">
                 <a:solidFill>
                   <a:schemeClr val="tx1">
                     <a:lumMod val="65000"/>
@@ -3810,7 +3820,7 @@
         </p:nvSpPr>
         <p:spPr>
           <a:xfrm>
-            <a:off x="5801167" y="1104123"/>
+            <a:off x="5198225" y="2181330"/>
             <a:ext cx="731209" cy="731209"/>
           </a:xfrm>
           <a:prstGeom prst="ellipse">
@@ -3821,7 +3831,10 @@
           </a:solidFill>
           <a:ln w="19050">
             <a:solidFill>
-              <a:schemeClr val="accent1"/>
+              <a:schemeClr val="accent1">
+                <a:lumMod val="60000"/>
+                <a:lumOff val="40000"/>
+              </a:schemeClr>
             </a:solidFill>
           </a:ln>
         </p:spPr>
@@ -3867,7 +3880,7 @@
         </p:nvSpPr>
         <p:spPr>
           <a:xfrm>
-            <a:off x="5206848" y="1859257"/>
+            <a:off x="4874141" y="1095975"/>
             <a:ext cx="731209" cy="731209"/>
           </a:xfrm>
           <a:prstGeom prst="ellipse">
@@ -3880,7 +3893,10 @@
           </a:solidFill>
           <a:ln w="19050">
             <a:solidFill>
-              <a:schemeClr val="accent1"/>
+              <a:schemeClr val="accent2">
+                <a:lumMod val="60000"/>
+                <a:lumOff val="40000"/>
+              </a:schemeClr>
             </a:solidFill>
           </a:ln>
         </p:spPr>
@@ -3927,7 +3943,7 @@
         <p:spPr>
           <a:xfrm>
             <a:off x="1068183" y="5066916"/>
-            <a:ext cx="8039988" cy="809507"/>
+            <a:ext cx="7618617" cy="809507"/>
           </a:xfrm>
           <a:prstGeom prst="rect">
             <a:avLst/>
@@ -3962,7 +3978,7 @@
           <a:p>
             <a:pPr algn="ctr"/>
             <a:r>
-              <a:rPr lang="en-US" sz="3200" dirty="0">
+              <a:rPr lang="en-US" sz="2800" dirty="0">
                 <a:solidFill>
                   <a:schemeClr val="tx1">
                     <a:lumMod val="65000"/>
@@ -3988,375 +4004,9 @@
           <p:nvPr/>
         </p:nvSpPr>
         <p:spPr>
-          <a:xfrm rot="16200000">
-            <a:off x="6423667" y="1283713"/>
-            <a:ext cx="2326094" cy="1782508"/>
-          </a:xfrm>
-          <a:prstGeom prst="rect">
-            <a:avLst/>
-          </a:prstGeom>
-          <a:noFill/>
-          <a:ln w="19050">
-            <a:prstDash val="sysDash"/>
-          </a:ln>
-        </p:spPr>
-        <p:style>
-          <a:lnRef idx="2">
-            <a:schemeClr val="accent1">
-              <a:shade val="50000"/>
-            </a:schemeClr>
-          </a:lnRef>
-          <a:fillRef idx="1">
-            <a:schemeClr val="accent1"/>
-          </a:fillRef>
-          <a:effectRef idx="0">
-            <a:schemeClr val="accent1"/>
-          </a:effectRef>
-          <a:fontRef idx="minor">
-            <a:schemeClr val="lt1"/>
-          </a:fontRef>
-        </p:style>
-        <p:txBody>
-          <a:bodyPr rtlCol="0" anchor="ctr"/>
-          <a:lstStyle/>
-          <a:p>
-            <a:pPr algn="ctr"/>
-            <a:endParaRPr lang="en-US" sz="1100" dirty="0"/>
-          </a:p>
-          <a:p>
-            <a:pPr algn="ctr"/>
-            <a:endParaRPr lang="en-US" sz="1100" dirty="0"/>
-          </a:p>
-          <a:p>
-            <a:pPr algn="ctr"/>
-            <a:endParaRPr lang="en-US" sz="1100" dirty="0"/>
-          </a:p>
-          <a:p>
-            <a:pPr algn="ctr"/>
-            <a:endParaRPr lang="en-US" sz="1100" dirty="0"/>
-          </a:p>
-          <a:p>
-            <a:pPr algn="ctr"/>
-            <a:endParaRPr lang="en-US" sz="1100" dirty="0"/>
-          </a:p>
-          <a:p>
-            <a:pPr algn="ctr"/>
-            <a:endParaRPr lang="en-US" sz="1100" dirty="0"/>
-          </a:p>
-          <a:p>
-            <a:pPr algn="ctr"/>
-            <a:endParaRPr lang="en-US" sz="1100" dirty="0"/>
-          </a:p>
-          <a:p>
-            <a:pPr algn="ctr"/>
-            <a:endParaRPr lang="en-US" sz="1100" dirty="0"/>
-          </a:p>
-          <a:p>
-            <a:pPr algn="ctr"/>
-            <a:r>
-              <a:rPr lang="en-US" dirty="0">
-                <a:solidFill>
-                  <a:schemeClr val="tx1">
-                    <a:lumMod val="65000"/>
-                    <a:lumOff val="35000"/>
-                  </a:schemeClr>
-                </a:solidFill>
-              </a:rPr>
-              <a:t>3</a:t>
-            </a:r>
-            <a:r>
-              <a:rPr lang="en-US" baseline="30000" dirty="0">
-                <a:solidFill>
-                  <a:schemeClr val="tx1">
-                    <a:lumMod val="65000"/>
-                    <a:lumOff val="35000"/>
-                  </a:schemeClr>
-                </a:solidFill>
-              </a:rPr>
-              <a:t>rd</a:t>
-            </a:r>
-            <a:r>
-              <a:rPr lang="en-US" dirty="0">
-                <a:solidFill>
-                  <a:schemeClr val="tx1">
-                    <a:lumMod val="65000"/>
-                    <a:lumOff val="35000"/>
-                  </a:schemeClr>
-                </a:solidFill>
-              </a:rPr>
-              <a:t>  Party APIs</a:t>
-            </a:r>
-          </a:p>
-        </p:txBody>
-      </p:sp>
-      <p:sp>
-        <p:nvSpPr>
-          <p:cNvPr id="15" name="Oval 14">
-            <a:extLst>
-              <a:ext uri="{FF2B5EF4-FFF2-40B4-BE49-F238E27FC236}">
-                <a16:creationId xmlns:a16="http://schemas.microsoft.com/office/drawing/2014/main" id="{91D45DDF-444F-B143-8B48-100BC873BDD8}"/>
-              </a:ext>
-            </a:extLst>
-          </p:cNvPr>
-          <p:cNvSpPr/>
-          <p:nvPr/>
-        </p:nvSpPr>
-        <p:spPr>
           <a:xfrm>
-            <a:off x="7438138" y="1903830"/>
-            <a:ext cx="489097" cy="489097"/>
-          </a:xfrm>
-          <a:prstGeom prst="ellipse">
-            <a:avLst/>
-          </a:prstGeom>
-          <a:solidFill>
-            <a:schemeClr val="tx1">
-              <a:lumMod val="50000"/>
-              <a:lumOff val="50000"/>
-            </a:schemeClr>
-          </a:solidFill>
-          <a:ln w="19050">
-            <a:solidFill>
-              <a:schemeClr val="tx1">
-                <a:lumMod val="95000"/>
-                <a:lumOff val="5000"/>
-              </a:schemeClr>
-            </a:solidFill>
-          </a:ln>
-        </p:spPr>
-        <p:style>
-          <a:lnRef idx="2">
-            <a:schemeClr val="accent1">
-              <a:shade val="50000"/>
-            </a:schemeClr>
-          </a:lnRef>
-          <a:fillRef idx="1">
-            <a:schemeClr val="accent1"/>
-          </a:fillRef>
-          <a:effectRef idx="0">
-            <a:schemeClr val="accent1"/>
-          </a:effectRef>
-          <a:fontRef idx="minor">
-            <a:schemeClr val="lt1"/>
-          </a:fontRef>
-        </p:style>
-        <p:txBody>
-          <a:bodyPr rtlCol="0" anchor="ctr"/>
-          <a:lstStyle/>
-          <a:p>
-            <a:pPr algn="ctr"/>
-            <a:endParaRPr lang="en-US" sz="1000" dirty="0">
-              <a:latin typeface="Arial Rounded MT Bold" panose="020F0704030504030204" pitchFamily="34" charset="77"/>
-              <a:cs typeface="Gurmukhi Sangam MN" pitchFamily="2" charset="0"/>
-            </a:endParaRPr>
-          </a:p>
-        </p:txBody>
-      </p:sp>
-      <p:sp>
-        <p:nvSpPr>
-          <p:cNvPr id="16" name="Oval 15">
-            <a:extLst>
-              <a:ext uri="{FF2B5EF4-FFF2-40B4-BE49-F238E27FC236}">
-                <a16:creationId xmlns:a16="http://schemas.microsoft.com/office/drawing/2014/main" id="{9EAE99F5-F893-1945-A8F9-2ECEEAEC369B}"/>
-              </a:ext>
-            </a:extLst>
-          </p:cNvPr>
-          <p:cNvSpPr/>
-          <p:nvPr/>
-        </p:nvSpPr>
-        <p:spPr>
-          <a:xfrm>
-            <a:off x="7067880" y="1299828"/>
-            <a:ext cx="489097" cy="489097"/>
-          </a:xfrm>
-          <a:prstGeom prst="ellipse">
-            <a:avLst/>
-          </a:prstGeom>
-          <a:solidFill>
-            <a:schemeClr val="tx1">
-              <a:lumMod val="50000"/>
-              <a:lumOff val="50000"/>
-            </a:schemeClr>
-          </a:solidFill>
-          <a:ln w="19050">
-            <a:solidFill>
-              <a:schemeClr val="tx1">
-                <a:lumMod val="95000"/>
-                <a:lumOff val="5000"/>
-              </a:schemeClr>
-            </a:solidFill>
-          </a:ln>
-        </p:spPr>
-        <p:style>
-          <a:lnRef idx="2">
-            <a:schemeClr val="accent1">
-              <a:shade val="50000"/>
-            </a:schemeClr>
-          </a:lnRef>
-          <a:fillRef idx="1">
-            <a:schemeClr val="accent1"/>
-          </a:fillRef>
-          <a:effectRef idx="0">
-            <a:schemeClr val="accent1"/>
-          </a:effectRef>
-          <a:fontRef idx="minor">
-            <a:schemeClr val="lt1"/>
-          </a:fontRef>
-        </p:style>
-        <p:txBody>
-          <a:bodyPr rtlCol="0" anchor="ctr"/>
-          <a:lstStyle/>
-          <a:p>
-            <a:pPr algn="ctr"/>
-            <a:endParaRPr lang="en-US" sz="1000" dirty="0">
-              <a:latin typeface="Arial Rounded MT Bold" panose="020F0704030504030204" pitchFamily="34" charset="77"/>
-              <a:cs typeface="Gurmukhi Sangam MN" pitchFamily="2" charset="0"/>
-            </a:endParaRPr>
-          </a:p>
-        </p:txBody>
-      </p:sp>
-      <p:sp>
-        <p:nvSpPr>
-          <p:cNvPr id="17" name="Oval 16">
-            <a:extLst>
-              <a:ext uri="{FF2B5EF4-FFF2-40B4-BE49-F238E27FC236}">
-                <a16:creationId xmlns:a16="http://schemas.microsoft.com/office/drawing/2014/main" id="{0491A979-BBE3-9640-90ED-6F989FE8E755}"/>
-              </a:ext>
-            </a:extLst>
-          </p:cNvPr>
-          <p:cNvSpPr/>
-          <p:nvPr/>
-        </p:nvSpPr>
-        <p:spPr>
-          <a:xfrm>
-            <a:off x="6823332" y="1957607"/>
-            <a:ext cx="489097" cy="489097"/>
-          </a:xfrm>
-          <a:prstGeom prst="ellipse">
-            <a:avLst/>
-          </a:prstGeom>
-          <a:solidFill>
-            <a:schemeClr val="tx1">
-              <a:lumMod val="50000"/>
-              <a:lumOff val="50000"/>
-            </a:schemeClr>
-          </a:solidFill>
-          <a:ln w="19050">
-            <a:solidFill>
-              <a:schemeClr val="tx1">
-                <a:lumMod val="95000"/>
-                <a:lumOff val="5000"/>
-              </a:schemeClr>
-            </a:solidFill>
-          </a:ln>
-        </p:spPr>
-        <p:style>
-          <a:lnRef idx="2">
-            <a:schemeClr val="accent1">
-              <a:shade val="50000"/>
-            </a:schemeClr>
-          </a:lnRef>
-          <a:fillRef idx="1">
-            <a:schemeClr val="accent1"/>
-          </a:fillRef>
-          <a:effectRef idx="0">
-            <a:schemeClr val="accent1"/>
-          </a:effectRef>
-          <a:fontRef idx="minor">
-            <a:schemeClr val="lt1"/>
-          </a:fontRef>
-        </p:style>
-        <p:txBody>
-          <a:bodyPr rtlCol="0" anchor="ctr"/>
-          <a:lstStyle/>
-          <a:p>
-            <a:pPr algn="ctr"/>
-            <a:endParaRPr lang="en-US" sz="1000" dirty="0">
-              <a:latin typeface="Arial Rounded MT Bold" panose="020F0704030504030204" pitchFamily="34" charset="77"/>
-              <a:cs typeface="Gurmukhi Sangam MN" pitchFamily="2" charset="0"/>
-            </a:endParaRPr>
-          </a:p>
-        </p:txBody>
-      </p:sp>
-      <p:sp>
-        <p:nvSpPr>
-          <p:cNvPr id="18" name="Oval 17">
-            <a:extLst>
-              <a:ext uri="{FF2B5EF4-FFF2-40B4-BE49-F238E27FC236}">
-                <a16:creationId xmlns:a16="http://schemas.microsoft.com/office/drawing/2014/main" id="{DBAF8554-D1C9-D64F-9F1C-06C729328F32}"/>
-              </a:ext>
-            </a:extLst>
-          </p:cNvPr>
-          <p:cNvSpPr/>
-          <p:nvPr/>
-        </p:nvSpPr>
-        <p:spPr>
-          <a:xfrm>
-            <a:off x="7148900" y="2589739"/>
-            <a:ext cx="489097" cy="489097"/>
-          </a:xfrm>
-          <a:prstGeom prst="ellipse">
-            <a:avLst/>
-          </a:prstGeom>
-          <a:solidFill>
-            <a:schemeClr val="tx1">
-              <a:lumMod val="50000"/>
-              <a:lumOff val="50000"/>
-            </a:schemeClr>
-          </a:solidFill>
-          <a:ln w="19050">
-            <a:solidFill>
-              <a:schemeClr val="tx1">
-                <a:lumMod val="95000"/>
-                <a:lumOff val="5000"/>
-              </a:schemeClr>
-            </a:solidFill>
-          </a:ln>
-        </p:spPr>
-        <p:style>
-          <a:lnRef idx="2">
-            <a:schemeClr val="accent1">
-              <a:shade val="50000"/>
-            </a:schemeClr>
-          </a:lnRef>
-          <a:fillRef idx="1">
-            <a:schemeClr val="accent1"/>
-          </a:fillRef>
-          <a:effectRef idx="0">
-            <a:schemeClr val="accent1"/>
-          </a:effectRef>
-          <a:fontRef idx="minor">
-            <a:schemeClr val="lt1"/>
-          </a:fontRef>
-        </p:style>
-        <p:txBody>
-          <a:bodyPr rtlCol="0" anchor="ctr"/>
-          <a:lstStyle/>
-          <a:p>
-            <a:pPr algn="ctr"/>
-            <a:endParaRPr lang="en-US" sz="1000" dirty="0">
-              <a:latin typeface="Arial Rounded MT Bold" panose="020F0704030504030204" pitchFamily="34" charset="77"/>
-              <a:cs typeface="Gurmukhi Sangam MN" pitchFamily="2" charset="0"/>
-            </a:endParaRPr>
-          </a:p>
-        </p:txBody>
-      </p:sp>
-      <p:sp>
-        <p:nvSpPr>
-          <p:cNvPr id="19" name="Rectangle 18">
-            <a:extLst>
-              <a:ext uri="{FF2B5EF4-FFF2-40B4-BE49-F238E27FC236}">
-                <a16:creationId xmlns:a16="http://schemas.microsoft.com/office/drawing/2014/main" id="{CAC205E1-B513-0D41-ADEB-1792C47DD754}"/>
-              </a:ext>
-            </a:extLst>
-          </p:cNvPr>
-          <p:cNvSpPr/>
-          <p:nvPr/>
-        </p:nvSpPr>
-        <p:spPr>
-          <a:xfrm rot="16200000">
-            <a:off x="3834145" y="-1763898"/>
-            <a:ext cx="2508064" cy="7877731"/>
+            <a:off x="6264671" y="920935"/>
+            <a:ext cx="2326437" cy="2508065"/>
           </a:xfrm>
           <a:prstGeom prst="rect">
             <a:avLst/>
@@ -4387,184 +4037,52 @@
           <a:lstStyle/>
           <a:p>
             <a:pPr algn="ctr"/>
-            <a:endParaRPr lang="en-US" sz="1100" dirty="0"/>
+            <a:endParaRPr lang="en-US" sz="2800" dirty="0">
+              <a:solidFill>
+                <a:schemeClr val="tx1">
+                  <a:lumMod val="65000"/>
+                  <a:lumOff val="35000"/>
+                </a:schemeClr>
+              </a:solidFill>
+            </a:endParaRPr>
           </a:p>
           <a:p>
             <a:pPr algn="ctr"/>
-            <a:endParaRPr lang="en-US" sz="1100" dirty="0"/>
+            <a:endParaRPr lang="en-US" sz="2800" dirty="0">
+              <a:solidFill>
+                <a:schemeClr val="tx1">
+                  <a:lumMod val="65000"/>
+                  <a:lumOff val="35000"/>
+                </a:schemeClr>
+              </a:solidFill>
+            </a:endParaRPr>
           </a:p>
           <a:p>
             <a:pPr algn="ctr"/>
-            <a:endParaRPr lang="en-US" sz="1100" dirty="0"/>
+            <a:endParaRPr lang="en-US" sz="2800" dirty="0">
+              <a:solidFill>
+                <a:schemeClr val="tx1">
+                  <a:lumMod val="65000"/>
+                  <a:lumOff val="35000"/>
+                </a:schemeClr>
+              </a:solidFill>
+            </a:endParaRPr>
           </a:p>
           <a:p>
             <a:pPr algn="ctr"/>
-            <a:endParaRPr lang="en-US" sz="1100" dirty="0"/>
+            <a:endParaRPr lang="en-US" sz="2800" dirty="0">
+              <a:solidFill>
+                <a:schemeClr val="tx1">
+                  <a:lumMod val="65000"/>
+                  <a:lumOff val="35000"/>
+                </a:schemeClr>
+              </a:solidFill>
+            </a:endParaRPr>
           </a:p>
           <a:p>
             <a:pPr algn="ctr"/>
-            <a:endParaRPr lang="en-US" sz="1100" dirty="0"/>
-          </a:p>
-          <a:p>
-            <a:pPr algn="ctr"/>
-            <a:endParaRPr lang="en-US" sz="1100" dirty="0"/>
-          </a:p>
-          <a:p>
-            <a:pPr algn="ctr"/>
-            <a:endParaRPr lang="en-US" sz="1100" dirty="0"/>
-          </a:p>
-          <a:p>
-            <a:pPr algn="ctr"/>
-            <a:endParaRPr lang="en-US" sz="1100" dirty="0"/>
-          </a:p>
-          <a:p>
-            <a:pPr algn="ctr"/>
-            <a:endParaRPr lang="en-US" sz="1100" dirty="0"/>
-          </a:p>
-          <a:p>
-            <a:pPr algn="ctr"/>
-            <a:endParaRPr lang="en-US" sz="1100" dirty="0"/>
-          </a:p>
-          <a:p>
-            <a:pPr algn="ctr"/>
-            <a:endParaRPr lang="en-US" sz="1100" dirty="0"/>
-          </a:p>
-          <a:p>
-            <a:pPr algn="ctr"/>
-            <a:endParaRPr lang="en-US" sz="1100" dirty="0"/>
-          </a:p>
-          <a:p>
-            <a:pPr algn="ctr"/>
-            <a:endParaRPr lang="en-US" sz="1100" dirty="0"/>
-          </a:p>
-          <a:p>
-            <a:pPr algn="ctr"/>
-            <a:endParaRPr lang="en-US" sz="1100" dirty="0"/>
-          </a:p>
-          <a:p>
-            <a:pPr algn="ctr"/>
-            <a:endParaRPr lang="en-US" sz="1100" dirty="0"/>
-          </a:p>
-          <a:p>
-            <a:pPr algn="ctr"/>
-            <a:endParaRPr lang="en-US" sz="1100" dirty="0"/>
-          </a:p>
-          <a:p>
-            <a:pPr algn="ctr"/>
-            <a:endParaRPr lang="en-US" sz="1100" dirty="0"/>
-          </a:p>
-          <a:p>
-            <a:pPr algn="ctr"/>
-            <a:endParaRPr lang="en-US" sz="1100" dirty="0"/>
-          </a:p>
-          <a:p>
-            <a:pPr algn="ctr"/>
-            <a:endParaRPr lang="en-US" sz="1100" dirty="0"/>
-          </a:p>
-          <a:p>
-            <a:pPr algn="ctr"/>
-            <a:endParaRPr lang="en-US" sz="1100" dirty="0"/>
-          </a:p>
-          <a:p>
-            <a:pPr algn="ctr"/>
-            <a:endParaRPr lang="en-US" sz="1100" dirty="0"/>
-          </a:p>
-          <a:p>
-            <a:pPr algn="ctr"/>
-            <a:endParaRPr lang="en-US" sz="1100" dirty="0"/>
-          </a:p>
-          <a:p>
-            <a:pPr algn="ctr"/>
-            <a:endParaRPr lang="en-US" sz="1100" dirty="0"/>
-          </a:p>
-          <a:p>
-            <a:pPr algn="ctr"/>
-            <a:endParaRPr lang="en-US" sz="1100" dirty="0"/>
-          </a:p>
-          <a:p>
-            <a:pPr algn="ctr"/>
-            <a:endParaRPr lang="en-US" sz="1100" dirty="0"/>
-          </a:p>
-          <a:p>
-            <a:pPr algn="ctr"/>
-            <a:endParaRPr lang="en-US" sz="1100" dirty="0"/>
-          </a:p>
-          <a:p>
-            <a:pPr algn="ctr"/>
-            <a:endParaRPr lang="en-US" sz="1100" dirty="0"/>
-          </a:p>
-          <a:p>
-            <a:pPr algn="ctr"/>
-            <a:endParaRPr lang="en-US" sz="1100" dirty="0"/>
-          </a:p>
-          <a:p>
-            <a:pPr algn="ctr"/>
-            <a:endParaRPr lang="en-US" sz="1100" dirty="0"/>
-          </a:p>
-          <a:p>
-            <a:pPr algn="ctr"/>
-            <a:endParaRPr lang="en-US" sz="1100" dirty="0"/>
-          </a:p>
-          <a:p>
-            <a:pPr algn="ctr"/>
-            <a:endParaRPr lang="en-US" sz="1100" dirty="0"/>
-          </a:p>
-          <a:p>
-            <a:pPr algn="ctr"/>
-            <a:endParaRPr lang="en-US" sz="1100" dirty="0"/>
-          </a:p>
-          <a:p>
-            <a:pPr algn="ctr"/>
-            <a:endParaRPr lang="en-US" sz="1100" dirty="0"/>
-          </a:p>
-          <a:p>
-            <a:pPr algn="ctr"/>
-            <a:endParaRPr lang="en-US" sz="1100" dirty="0"/>
-          </a:p>
-          <a:p>
-            <a:pPr algn="ctr"/>
-            <a:endParaRPr lang="en-US" sz="1100" dirty="0"/>
-          </a:p>
-          <a:p>
-            <a:pPr algn="ctr"/>
-            <a:endParaRPr lang="en-US" sz="1100" dirty="0"/>
-          </a:p>
-          <a:p>
-            <a:pPr algn="ctr"/>
-            <a:endParaRPr lang="en-US" sz="1100" dirty="0"/>
-          </a:p>
-          <a:p>
-            <a:pPr algn="ctr"/>
-            <a:endParaRPr lang="en-US" sz="1100" dirty="0"/>
-          </a:p>
-          <a:p>
-            <a:pPr algn="ctr"/>
-            <a:endParaRPr lang="en-US" sz="1100" dirty="0"/>
-          </a:p>
-          <a:p>
-            <a:pPr algn="ctr"/>
-            <a:endParaRPr lang="en-US" sz="1100" dirty="0"/>
-          </a:p>
-          <a:p>
-            <a:pPr algn="ctr"/>
-            <a:endParaRPr lang="en-US" sz="1100" dirty="0"/>
-          </a:p>
-          <a:p>
-            <a:pPr algn="ctr"/>
-            <a:endParaRPr lang="en-US" sz="1100" dirty="0"/>
-          </a:p>
-          <a:p>
-            <a:pPr algn="ctr"/>
-            <a:endParaRPr lang="en-US" sz="1100" dirty="0"/>
-          </a:p>
-          <a:p>
-            <a:pPr algn="ctr"/>
-            <a:endParaRPr lang="en-US" sz="1100" dirty="0"/>
-          </a:p>
-          <a:p>
-            <a:pPr algn="ctr"/>
-            <a:r>
-              <a:rPr lang="en-US" dirty="0">
+            <a:r>
+              <a:rPr lang="en-US" sz="2800" dirty="0">
                 <a:solidFill>
                   <a:schemeClr val="tx1">
                     <a:lumMod val="65000"/>
@@ -4572,8 +4090,386 @@
                   </a:schemeClr>
                 </a:solidFill>
               </a:rPr>
-              <a:t>API Landscape</a:t>
-            </a:r>
+              <a:t>3</a:t>
+            </a:r>
+            <a:r>
+              <a:rPr lang="en-US" sz="2800" baseline="30000" dirty="0">
+                <a:solidFill>
+                  <a:schemeClr val="tx1">
+                    <a:lumMod val="65000"/>
+                    <a:lumOff val="35000"/>
+                  </a:schemeClr>
+                </a:solidFill>
+              </a:rPr>
+              <a:t>rd</a:t>
+            </a:r>
+            <a:r>
+              <a:rPr lang="en-US" sz="2800" dirty="0">
+                <a:solidFill>
+                  <a:schemeClr val="tx1">
+                    <a:lumMod val="65000"/>
+                    <a:lumOff val="35000"/>
+                  </a:schemeClr>
+                </a:solidFill>
+              </a:rPr>
+              <a:t> Party APIs</a:t>
+            </a:r>
+          </a:p>
+        </p:txBody>
+      </p:sp>
+      <p:sp>
+        <p:nvSpPr>
+          <p:cNvPr id="19" name="Rectangle 18">
+            <a:extLst>
+              <a:ext uri="{FF2B5EF4-FFF2-40B4-BE49-F238E27FC236}">
+                <a16:creationId xmlns:a16="http://schemas.microsoft.com/office/drawing/2014/main" id="{CAC205E1-B513-0D41-ADEB-1792C47DD754}"/>
+              </a:ext>
+            </a:extLst>
+          </p:cNvPr>
+          <p:cNvSpPr/>
+          <p:nvPr/>
+        </p:nvSpPr>
+        <p:spPr>
+          <a:xfrm>
+            <a:off x="1150947" y="920935"/>
+            <a:ext cx="5006839" cy="2508065"/>
+          </a:xfrm>
+          <a:prstGeom prst="rect">
+            <a:avLst/>
+          </a:prstGeom>
+          <a:noFill/>
+          <a:ln w="19050">
+            <a:prstDash val="sysDot"/>
+          </a:ln>
+        </p:spPr>
+        <p:style>
+          <a:lnRef idx="2">
+            <a:schemeClr val="accent1">
+              <a:shade val="50000"/>
+            </a:schemeClr>
+          </a:lnRef>
+          <a:fillRef idx="1">
+            <a:schemeClr val="accent1"/>
+          </a:fillRef>
+          <a:effectRef idx="0">
+            <a:schemeClr val="accent1"/>
+          </a:effectRef>
+          <a:fontRef idx="minor">
+            <a:schemeClr val="lt1"/>
+          </a:fontRef>
+        </p:style>
+        <p:txBody>
+          <a:bodyPr rtlCol="0" anchor="ctr"/>
+          <a:lstStyle/>
+          <a:p>
+            <a:pPr algn="ctr"/>
+            <a:endParaRPr lang="en-US" sz="2800" dirty="0">
+              <a:solidFill>
+                <a:schemeClr val="tx1">
+                  <a:lumMod val="65000"/>
+                  <a:lumOff val="35000"/>
+                </a:schemeClr>
+              </a:solidFill>
+            </a:endParaRPr>
+          </a:p>
+          <a:p>
+            <a:pPr algn="ctr"/>
+            <a:endParaRPr lang="en-US" sz="2800" dirty="0">
+              <a:solidFill>
+                <a:schemeClr val="tx1">
+                  <a:lumMod val="65000"/>
+                  <a:lumOff val="35000"/>
+                </a:schemeClr>
+              </a:solidFill>
+            </a:endParaRPr>
+          </a:p>
+          <a:p>
+            <a:pPr algn="ctr"/>
+            <a:endParaRPr lang="en-US" sz="2800" dirty="0">
+              <a:solidFill>
+                <a:schemeClr val="tx1">
+                  <a:lumMod val="65000"/>
+                  <a:lumOff val="35000"/>
+                </a:schemeClr>
+              </a:solidFill>
+            </a:endParaRPr>
+          </a:p>
+          <a:p>
+            <a:pPr algn="ctr"/>
+            <a:endParaRPr lang="en-US" sz="2800" dirty="0">
+              <a:solidFill>
+                <a:schemeClr val="tx1">
+                  <a:lumMod val="65000"/>
+                  <a:lumOff val="35000"/>
+                </a:schemeClr>
+              </a:solidFill>
+            </a:endParaRPr>
+          </a:p>
+          <a:p>
+            <a:pPr algn="ctr"/>
+            <a:r>
+              <a:rPr lang="en-US" sz="2800" dirty="0">
+                <a:solidFill>
+                  <a:schemeClr val="tx1">
+                    <a:lumMod val="65000"/>
+                    <a:lumOff val="35000"/>
+                  </a:schemeClr>
+                </a:solidFill>
+              </a:rPr>
+              <a:t>API Products</a:t>
+            </a:r>
+          </a:p>
+        </p:txBody>
+      </p:sp>
+      <p:sp>
+        <p:nvSpPr>
+          <p:cNvPr id="20" name="Oval 19">
+            <a:extLst>
+              <a:ext uri="{FF2B5EF4-FFF2-40B4-BE49-F238E27FC236}">
+                <a16:creationId xmlns:a16="http://schemas.microsoft.com/office/drawing/2014/main" id="{D9C3F7FE-7547-F249-A89E-6C4304D83936}"/>
+              </a:ext>
+            </a:extLst>
+          </p:cNvPr>
+          <p:cNvSpPr/>
+          <p:nvPr/>
+        </p:nvSpPr>
+        <p:spPr>
+          <a:xfrm>
+            <a:off x="6486010" y="1095974"/>
+            <a:ext cx="731209" cy="731209"/>
+          </a:xfrm>
+          <a:prstGeom prst="ellipse">
+            <a:avLst/>
+          </a:prstGeom>
+          <a:solidFill>
+            <a:schemeClr val="tx1">
+              <a:lumMod val="65000"/>
+              <a:lumOff val="35000"/>
+            </a:schemeClr>
+          </a:solidFill>
+          <a:ln w="19050">
+            <a:solidFill>
+              <a:schemeClr val="tx1">
+                <a:lumMod val="85000"/>
+                <a:lumOff val="15000"/>
+              </a:schemeClr>
+            </a:solidFill>
+          </a:ln>
+        </p:spPr>
+        <p:style>
+          <a:lnRef idx="2">
+            <a:schemeClr val="accent1">
+              <a:shade val="50000"/>
+            </a:schemeClr>
+          </a:lnRef>
+          <a:fillRef idx="1">
+            <a:schemeClr val="accent1"/>
+          </a:fillRef>
+          <a:effectRef idx="0">
+            <a:schemeClr val="accent1"/>
+          </a:effectRef>
+          <a:fontRef idx="minor">
+            <a:schemeClr val="lt1"/>
+          </a:fontRef>
+        </p:style>
+        <p:txBody>
+          <a:bodyPr rtlCol="0" anchor="ctr"/>
+          <a:lstStyle/>
+          <a:p>
+            <a:pPr algn="ctr"/>
+            <a:endParaRPr lang="en-US" sz="1000" dirty="0">
+              <a:latin typeface="Arial Rounded MT Bold" panose="020F0704030504030204" pitchFamily="34" charset="77"/>
+              <a:cs typeface="Gurmukhi Sangam MN" pitchFamily="2" charset="0"/>
+            </a:endParaRPr>
+          </a:p>
+        </p:txBody>
+      </p:sp>
+      <p:sp>
+        <p:nvSpPr>
+          <p:cNvPr id="21" name="Oval 20">
+            <a:extLst>
+              <a:ext uri="{FF2B5EF4-FFF2-40B4-BE49-F238E27FC236}">
+                <a16:creationId xmlns:a16="http://schemas.microsoft.com/office/drawing/2014/main" id="{4D935D31-84B1-474C-A4C1-834894730830}"/>
+              </a:ext>
+            </a:extLst>
+          </p:cNvPr>
+          <p:cNvSpPr/>
+          <p:nvPr/>
+        </p:nvSpPr>
+        <p:spPr>
+          <a:xfrm>
+            <a:off x="7676394" y="1962922"/>
+            <a:ext cx="731209" cy="731209"/>
+          </a:xfrm>
+          <a:prstGeom prst="ellipse">
+            <a:avLst/>
+          </a:prstGeom>
+          <a:solidFill>
+            <a:schemeClr val="tx1">
+              <a:lumMod val="65000"/>
+              <a:lumOff val="35000"/>
+            </a:schemeClr>
+          </a:solidFill>
+          <a:ln w="19050">
+            <a:solidFill>
+              <a:schemeClr val="tx1">
+                <a:lumMod val="85000"/>
+                <a:lumOff val="15000"/>
+              </a:schemeClr>
+            </a:solidFill>
+          </a:ln>
+        </p:spPr>
+        <p:style>
+          <a:lnRef idx="2">
+            <a:schemeClr val="accent1">
+              <a:shade val="50000"/>
+            </a:schemeClr>
+          </a:lnRef>
+          <a:fillRef idx="1">
+            <a:schemeClr val="accent1"/>
+          </a:fillRef>
+          <a:effectRef idx="0">
+            <a:schemeClr val="accent1"/>
+          </a:effectRef>
+          <a:fontRef idx="minor">
+            <a:schemeClr val="lt1"/>
+          </a:fontRef>
+        </p:style>
+        <p:txBody>
+          <a:bodyPr rtlCol="0" anchor="ctr"/>
+          <a:lstStyle/>
+          <a:p>
+            <a:pPr algn="ctr"/>
+            <a:endParaRPr lang="en-US" sz="1000" dirty="0">
+              <a:latin typeface="Arial Rounded MT Bold" panose="020F0704030504030204" pitchFamily="34" charset="77"/>
+              <a:cs typeface="Gurmukhi Sangam MN" pitchFamily="2" charset="0"/>
+            </a:endParaRPr>
+          </a:p>
+        </p:txBody>
+      </p:sp>
+      <p:sp>
+        <p:nvSpPr>
+          <p:cNvPr id="22" name="Oval 21">
+            <a:extLst>
+              <a:ext uri="{FF2B5EF4-FFF2-40B4-BE49-F238E27FC236}">
+                <a16:creationId xmlns:a16="http://schemas.microsoft.com/office/drawing/2014/main" id="{8AD4FF85-C9F3-664F-ADE2-47E05590C470}"/>
+              </a:ext>
+            </a:extLst>
+          </p:cNvPr>
+          <p:cNvSpPr/>
+          <p:nvPr/>
+        </p:nvSpPr>
+        <p:spPr>
+          <a:xfrm>
+            <a:off x="6606704" y="2003019"/>
+            <a:ext cx="731209" cy="731209"/>
+          </a:xfrm>
+          <a:prstGeom prst="ellipse">
+            <a:avLst/>
+          </a:prstGeom>
+          <a:solidFill>
+            <a:schemeClr val="tx1">
+              <a:lumMod val="65000"/>
+              <a:lumOff val="35000"/>
+            </a:schemeClr>
+          </a:solidFill>
+          <a:ln w="19050">
+            <a:solidFill>
+              <a:schemeClr val="tx1">
+                <a:lumMod val="85000"/>
+                <a:lumOff val="15000"/>
+              </a:schemeClr>
+            </a:solidFill>
+          </a:ln>
+        </p:spPr>
+        <p:style>
+          <a:lnRef idx="2">
+            <a:schemeClr val="accent1">
+              <a:shade val="50000"/>
+            </a:schemeClr>
+          </a:lnRef>
+          <a:fillRef idx="1">
+            <a:schemeClr val="accent1"/>
+          </a:fillRef>
+          <a:effectRef idx="0">
+            <a:schemeClr val="accent1"/>
+          </a:effectRef>
+          <a:fontRef idx="minor">
+            <a:schemeClr val="lt1"/>
+          </a:fontRef>
+        </p:style>
+        <p:txBody>
+          <a:bodyPr rtlCol="0" anchor="ctr"/>
+          <a:lstStyle/>
+          <a:p>
+            <a:pPr algn="ctr"/>
+            <a:endParaRPr lang="en-US" sz="1000" dirty="0">
+              <a:latin typeface="Arial Rounded MT Bold" panose="020F0704030504030204" pitchFamily="34" charset="77"/>
+              <a:cs typeface="Gurmukhi Sangam MN" pitchFamily="2" charset="0"/>
+            </a:endParaRPr>
+          </a:p>
+        </p:txBody>
+      </p:sp>
+      <p:sp>
+        <p:nvSpPr>
+          <p:cNvPr id="23" name="Oval 22">
+            <a:extLst>
+              <a:ext uri="{FF2B5EF4-FFF2-40B4-BE49-F238E27FC236}">
+                <a16:creationId xmlns:a16="http://schemas.microsoft.com/office/drawing/2014/main" id="{751CB407-759C-0648-9013-EC63051F7205}"/>
+              </a:ext>
+            </a:extLst>
+          </p:cNvPr>
+          <p:cNvSpPr/>
+          <p:nvPr/>
+        </p:nvSpPr>
+        <p:spPr>
+          <a:xfrm>
+            <a:off x="7463843" y="1076324"/>
+            <a:ext cx="731209" cy="731209"/>
+          </a:xfrm>
+          <a:prstGeom prst="ellipse">
+            <a:avLst/>
+          </a:prstGeom>
+          <a:solidFill>
+            <a:schemeClr val="tx1">
+              <a:lumMod val="65000"/>
+              <a:lumOff val="35000"/>
+            </a:schemeClr>
+          </a:solidFill>
+          <a:ln w="19050">
+            <a:solidFill>
+              <a:schemeClr val="tx1">
+                <a:lumMod val="85000"/>
+                <a:lumOff val="15000"/>
+              </a:schemeClr>
+            </a:solidFill>
+          </a:ln>
+        </p:spPr>
+        <p:style>
+          <a:lnRef idx="2">
+            <a:schemeClr val="accent1">
+              <a:shade val="50000"/>
+            </a:schemeClr>
+          </a:lnRef>
+          <a:fillRef idx="1">
+            <a:schemeClr val="accent1"/>
+          </a:fillRef>
+          <a:effectRef idx="0">
+            <a:schemeClr val="accent1"/>
+          </a:effectRef>
+          <a:fontRef idx="minor">
+            <a:schemeClr val="lt1"/>
+          </a:fontRef>
+        </p:style>
+        <p:txBody>
+          <a:bodyPr rtlCol="0" anchor="ctr"/>
+          <a:lstStyle/>
+          <a:p>
+            <a:pPr algn="ctr"/>
+            <a:endParaRPr lang="en-US" sz="1000" dirty="0">
+              <a:latin typeface="Arial Rounded MT Bold" panose="020F0704030504030204" pitchFamily="34" charset="77"/>
+              <a:cs typeface="Gurmukhi Sangam MN" pitchFamily="2" charset="0"/>
+            </a:endParaRPr>
           </a:p>
         </p:txBody>
       </p:sp>

--- a/api-days-interface-2020/img/product-platform-program-strategy.pptx
+++ b/api-days-interface-2020/img/product-platform-program-strategy.pptx
@@ -4483,6 +4483,704 @@
   <p:clrMapOvr>
     <a:masterClrMapping/>
   </p:clrMapOvr>
+  <p:timing>
+    <p:tnLst>
+      <p:par>
+        <p:cTn id="1" dur="indefinite" restart="never" nodeType="tmRoot">
+          <p:childTnLst>
+            <p:seq concurrent="1" nextAc="seek">
+              <p:cTn id="2" dur="indefinite" nodeType="mainSeq">
+                <p:childTnLst>
+                  <p:par>
+                    <p:cTn id="3" fill="hold">
+                      <p:stCondLst>
+                        <p:cond delay="indefinite"/>
+                      </p:stCondLst>
+                      <p:childTnLst>
+                        <p:par>
+                          <p:cTn id="4" fill="hold">
+                            <p:stCondLst>
+                              <p:cond delay="0"/>
+                            </p:stCondLst>
+                            <p:childTnLst>
+                              <p:par>
+                                <p:cTn id="5" presetID="10" presetClass="entr" presetSubtype="0" fill="hold" grpId="0" nodeType="clickEffect">
+                                  <p:stCondLst>
+                                    <p:cond delay="0"/>
+                                  </p:stCondLst>
+                                  <p:childTnLst>
+                                    <p:set>
+                                      <p:cBhvr>
+                                        <p:cTn id="6" dur="1" fill="hold">
+                                          <p:stCondLst>
+                                            <p:cond delay="0"/>
+                                          </p:stCondLst>
+                                        </p:cTn>
+                                        <p:tgtEl>
+                                          <p:spTgt spid="7"/>
+                                        </p:tgtEl>
+                                        <p:attrNameLst>
+                                          <p:attrName>style.visibility</p:attrName>
+                                        </p:attrNameLst>
+                                      </p:cBhvr>
+                                      <p:to>
+                                        <p:strVal val="visible"/>
+                                      </p:to>
+                                    </p:set>
+                                    <p:animEffect transition="in" filter="fade">
+                                      <p:cBhvr>
+                                        <p:cTn id="7" dur="500"/>
+                                        <p:tgtEl>
+                                          <p:spTgt spid="7"/>
+                                        </p:tgtEl>
+                                      </p:cBhvr>
+                                    </p:animEffect>
+                                  </p:childTnLst>
+                                </p:cTn>
+                              </p:par>
+                              <p:par>
+                                <p:cTn id="8" presetID="10" presetClass="entr" presetSubtype="0" fill="hold" grpId="0" nodeType="withEffect">
+                                  <p:stCondLst>
+                                    <p:cond delay="0"/>
+                                  </p:stCondLst>
+                                  <p:childTnLst>
+                                    <p:set>
+                                      <p:cBhvr>
+                                        <p:cTn id="9" dur="1" fill="hold">
+                                          <p:stCondLst>
+                                            <p:cond delay="0"/>
+                                          </p:stCondLst>
+                                        </p:cTn>
+                                        <p:tgtEl>
+                                          <p:spTgt spid="6"/>
+                                        </p:tgtEl>
+                                        <p:attrNameLst>
+                                          <p:attrName>style.visibility</p:attrName>
+                                        </p:attrNameLst>
+                                      </p:cBhvr>
+                                      <p:to>
+                                        <p:strVal val="visible"/>
+                                      </p:to>
+                                    </p:set>
+                                    <p:animEffect transition="in" filter="fade">
+                                      <p:cBhvr>
+                                        <p:cTn id="10" dur="500"/>
+                                        <p:tgtEl>
+                                          <p:spTgt spid="6"/>
+                                        </p:tgtEl>
+                                      </p:cBhvr>
+                                    </p:animEffect>
+                                  </p:childTnLst>
+                                </p:cTn>
+                              </p:par>
+                              <p:par>
+                                <p:cTn id="11" presetID="10" presetClass="entr" presetSubtype="0" fill="hold" grpId="0" nodeType="withEffect">
+                                  <p:stCondLst>
+                                    <p:cond delay="0"/>
+                                  </p:stCondLst>
+                                  <p:childTnLst>
+                                    <p:set>
+                                      <p:cBhvr>
+                                        <p:cTn id="12" dur="1" fill="hold">
+                                          <p:stCondLst>
+                                            <p:cond delay="0"/>
+                                          </p:stCondLst>
+                                        </p:cTn>
+                                        <p:tgtEl>
+                                          <p:spTgt spid="5"/>
+                                        </p:tgtEl>
+                                        <p:attrNameLst>
+                                          <p:attrName>style.visibility</p:attrName>
+                                        </p:attrNameLst>
+                                      </p:cBhvr>
+                                      <p:to>
+                                        <p:strVal val="visible"/>
+                                      </p:to>
+                                    </p:set>
+                                    <p:animEffect transition="in" filter="fade">
+                                      <p:cBhvr>
+                                        <p:cTn id="13" dur="500"/>
+                                        <p:tgtEl>
+                                          <p:spTgt spid="5"/>
+                                        </p:tgtEl>
+                                      </p:cBhvr>
+                                    </p:animEffect>
+                                  </p:childTnLst>
+                                </p:cTn>
+                              </p:par>
+                              <p:par>
+                                <p:cTn id="14" presetID="10" presetClass="entr" presetSubtype="0" fill="hold" grpId="0" nodeType="withEffect">
+                                  <p:stCondLst>
+                                    <p:cond delay="0"/>
+                                  </p:stCondLst>
+                                  <p:childTnLst>
+                                    <p:set>
+                                      <p:cBhvr>
+                                        <p:cTn id="15" dur="1" fill="hold">
+                                          <p:stCondLst>
+                                            <p:cond delay="0"/>
+                                          </p:stCondLst>
+                                        </p:cTn>
+                                        <p:tgtEl>
+                                          <p:spTgt spid="19"/>
+                                        </p:tgtEl>
+                                        <p:attrNameLst>
+                                          <p:attrName>style.visibility</p:attrName>
+                                        </p:attrNameLst>
+                                      </p:cBhvr>
+                                      <p:to>
+                                        <p:strVal val="visible"/>
+                                      </p:to>
+                                    </p:set>
+                                    <p:animEffect transition="in" filter="fade">
+                                      <p:cBhvr>
+                                        <p:cTn id="16" dur="500"/>
+                                        <p:tgtEl>
+                                          <p:spTgt spid="19"/>
+                                        </p:tgtEl>
+                                      </p:cBhvr>
+                                    </p:animEffect>
+                                  </p:childTnLst>
+                                </p:cTn>
+                              </p:par>
+                            </p:childTnLst>
+                          </p:cTn>
+                        </p:par>
+                      </p:childTnLst>
+                    </p:cTn>
+                  </p:par>
+                  <p:par>
+                    <p:cTn id="17" fill="hold">
+                      <p:stCondLst>
+                        <p:cond delay="indefinite"/>
+                      </p:stCondLst>
+                      <p:childTnLst>
+                        <p:par>
+                          <p:cTn id="18" fill="hold">
+                            <p:stCondLst>
+                              <p:cond delay="0"/>
+                            </p:stCondLst>
+                            <p:childTnLst>
+                              <p:par>
+                                <p:cTn id="19" presetID="10" presetClass="entr" presetSubtype="0" fill="hold" grpId="0" nodeType="clickEffect">
+                                  <p:stCondLst>
+                                    <p:cond delay="0"/>
+                                  </p:stCondLst>
+                                  <p:childTnLst>
+                                    <p:set>
+                                      <p:cBhvr>
+                                        <p:cTn id="20" dur="1" fill="hold">
+                                          <p:stCondLst>
+                                            <p:cond delay="0"/>
+                                          </p:stCondLst>
+                                        </p:cTn>
+                                        <p:tgtEl>
+                                          <p:spTgt spid="4"/>
+                                        </p:tgtEl>
+                                        <p:attrNameLst>
+                                          <p:attrName>style.visibility</p:attrName>
+                                        </p:attrNameLst>
+                                      </p:cBhvr>
+                                      <p:to>
+                                        <p:strVal val="visible"/>
+                                      </p:to>
+                                    </p:set>
+                                    <p:animEffect transition="in" filter="fade">
+                                      <p:cBhvr>
+                                        <p:cTn id="21" dur="500"/>
+                                        <p:tgtEl>
+                                          <p:spTgt spid="4"/>
+                                        </p:tgtEl>
+                                      </p:cBhvr>
+                                    </p:animEffect>
+                                  </p:childTnLst>
+                                </p:cTn>
+                              </p:par>
+                              <p:par>
+                                <p:cTn id="22" presetID="10" presetClass="entr" presetSubtype="0" fill="hold" grpId="0" nodeType="withEffect">
+                                  <p:stCondLst>
+                                    <p:cond delay="0"/>
+                                  </p:stCondLst>
+                                  <p:childTnLst>
+                                    <p:set>
+                                      <p:cBhvr>
+                                        <p:cTn id="23" dur="1" fill="hold">
+                                          <p:stCondLst>
+                                            <p:cond delay="0"/>
+                                          </p:stCondLst>
+                                        </p:cTn>
+                                        <p:tgtEl>
+                                          <p:spTgt spid="8"/>
+                                        </p:tgtEl>
+                                        <p:attrNameLst>
+                                          <p:attrName>style.visibility</p:attrName>
+                                        </p:attrNameLst>
+                                      </p:cBhvr>
+                                      <p:to>
+                                        <p:strVal val="visible"/>
+                                      </p:to>
+                                    </p:set>
+                                    <p:animEffect transition="in" filter="fade">
+                                      <p:cBhvr>
+                                        <p:cTn id="24" dur="500"/>
+                                        <p:tgtEl>
+                                          <p:spTgt spid="8"/>
+                                        </p:tgtEl>
+                                      </p:cBhvr>
+                                    </p:animEffect>
+                                  </p:childTnLst>
+                                </p:cTn>
+                              </p:par>
+                              <p:par>
+                                <p:cTn id="25" presetID="10" presetClass="entr" presetSubtype="0" fill="hold" grpId="0" nodeType="withEffect">
+                                  <p:stCondLst>
+                                    <p:cond delay="0"/>
+                                  </p:stCondLst>
+                                  <p:childTnLst>
+                                    <p:set>
+                                      <p:cBhvr>
+                                        <p:cTn id="26" dur="1" fill="hold">
+                                          <p:stCondLst>
+                                            <p:cond delay="0"/>
+                                          </p:stCondLst>
+                                        </p:cTn>
+                                        <p:tgtEl>
+                                          <p:spTgt spid="11"/>
+                                        </p:tgtEl>
+                                        <p:attrNameLst>
+                                          <p:attrName>style.visibility</p:attrName>
+                                        </p:attrNameLst>
+                                      </p:cBhvr>
+                                      <p:to>
+                                        <p:strVal val="visible"/>
+                                      </p:to>
+                                    </p:set>
+                                    <p:animEffect transition="in" filter="fade">
+                                      <p:cBhvr>
+                                        <p:cTn id="27" dur="500"/>
+                                        <p:tgtEl>
+                                          <p:spTgt spid="11"/>
+                                        </p:tgtEl>
+                                      </p:cBhvr>
+                                    </p:animEffect>
+                                  </p:childTnLst>
+                                </p:cTn>
+                              </p:par>
+                              <p:par>
+                                <p:cTn id="28" presetID="10" presetClass="entr" presetSubtype="0" fill="hold" grpId="0" nodeType="withEffect">
+                                  <p:stCondLst>
+                                    <p:cond delay="0"/>
+                                  </p:stCondLst>
+                                  <p:childTnLst>
+                                    <p:set>
+                                      <p:cBhvr>
+                                        <p:cTn id="29" dur="1" fill="hold">
+                                          <p:stCondLst>
+                                            <p:cond delay="0"/>
+                                          </p:stCondLst>
+                                        </p:cTn>
+                                        <p:tgtEl>
+                                          <p:spTgt spid="12"/>
+                                        </p:tgtEl>
+                                        <p:attrNameLst>
+                                          <p:attrName>style.visibility</p:attrName>
+                                        </p:attrNameLst>
+                                      </p:cBhvr>
+                                      <p:to>
+                                        <p:strVal val="visible"/>
+                                      </p:to>
+                                    </p:set>
+                                    <p:animEffect transition="in" filter="fade">
+                                      <p:cBhvr>
+                                        <p:cTn id="30" dur="500"/>
+                                        <p:tgtEl>
+                                          <p:spTgt spid="12"/>
+                                        </p:tgtEl>
+                                      </p:cBhvr>
+                                    </p:animEffect>
+                                  </p:childTnLst>
+                                </p:cTn>
+                              </p:par>
+                              <p:par>
+                                <p:cTn id="31" presetID="10" presetClass="entr" presetSubtype="0" fill="hold" grpId="0" nodeType="withEffect">
+                                  <p:stCondLst>
+                                    <p:cond delay="0"/>
+                                  </p:stCondLst>
+                                  <p:childTnLst>
+                                    <p:set>
+                                      <p:cBhvr>
+                                        <p:cTn id="32" dur="1" fill="hold">
+                                          <p:stCondLst>
+                                            <p:cond delay="0"/>
+                                          </p:stCondLst>
+                                        </p:cTn>
+                                        <p:tgtEl>
+                                          <p:spTgt spid="14"/>
+                                        </p:tgtEl>
+                                        <p:attrNameLst>
+                                          <p:attrName>style.visibility</p:attrName>
+                                        </p:attrNameLst>
+                                      </p:cBhvr>
+                                      <p:to>
+                                        <p:strVal val="visible"/>
+                                      </p:to>
+                                    </p:set>
+                                    <p:animEffect transition="in" filter="fade">
+                                      <p:cBhvr>
+                                        <p:cTn id="33" dur="500"/>
+                                        <p:tgtEl>
+                                          <p:spTgt spid="14"/>
+                                        </p:tgtEl>
+                                      </p:cBhvr>
+                                    </p:animEffect>
+                                  </p:childTnLst>
+                                </p:cTn>
+                              </p:par>
+                              <p:par>
+                                <p:cTn id="34" presetID="10" presetClass="entr" presetSubtype="0" fill="hold" grpId="0" nodeType="withEffect">
+                                  <p:stCondLst>
+                                    <p:cond delay="0"/>
+                                  </p:stCondLst>
+                                  <p:childTnLst>
+                                    <p:set>
+                                      <p:cBhvr>
+                                        <p:cTn id="35" dur="1" fill="hold">
+                                          <p:stCondLst>
+                                            <p:cond delay="0"/>
+                                          </p:stCondLst>
+                                        </p:cTn>
+                                        <p:tgtEl>
+                                          <p:spTgt spid="20"/>
+                                        </p:tgtEl>
+                                        <p:attrNameLst>
+                                          <p:attrName>style.visibility</p:attrName>
+                                        </p:attrNameLst>
+                                      </p:cBhvr>
+                                      <p:to>
+                                        <p:strVal val="visible"/>
+                                      </p:to>
+                                    </p:set>
+                                    <p:animEffect transition="in" filter="fade">
+                                      <p:cBhvr>
+                                        <p:cTn id="36" dur="500"/>
+                                        <p:tgtEl>
+                                          <p:spTgt spid="20"/>
+                                        </p:tgtEl>
+                                      </p:cBhvr>
+                                    </p:animEffect>
+                                  </p:childTnLst>
+                                </p:cTn>
+                              </p:par>
+                              <p:par>
+                                <p:cTn id="37" presetID="10" presetClass="entr" presetSubtype="0" fill="hold" grpId="0" nodeType="withEffect">
+                                  <p:stCondLst>
+                                    <p:cond delay="0"/>
+                                  </p:stCondLst>
+                                  <p:childTnLst>
+                                    <p:set>
+                                      <p:cBhvr>
+                                        <p:cTn id="38" dur="1" fill="hold">
+                                          <p:stCondLst>
+                                            <p:cond delay="0"/>
+                                          </p:stCondLst>
+                                        </p:cTn>
+                                        <p:tgtEl>
+                                          <p:spTgt spid="21"/>
+                                        </p:tgtEl>
+                                        <p:attrNameLst>
+                                          <p:attrName>style.visibility</p:attrName>
+                                        </p:attrNameLst>
+                                      </p:cBhvr>
+                                      <p:to>
+                                        <p:strVal val="visible"/>
+                                      </p:to>
+                                    </p:set>
+                                    <p:animEffect transition="in" filter="fade">
+                                      <p:cBhvr>
+                                        <p:cTn id="39" dur="500"/>
+                                        <p:tgtEl>
+                                          <p:spTgt spid="21"/>
+                                        </p:tgtEl>
+                                      </p:cBhvr>
+                                    </p:animEffect>
+                                  </p:childTnLst>
+                                </p:cTn>
+                              </p:par>
+                              <p:par>
+                                <p:cTn id="40" presetID="10" presetClass="entr" presetSubtype="0" fill="hold" grpId="0" nodeType="withEffect">
+                                  <p:stCondLst>
+                                    <p:cond delay="0"/>
+                                  </p:stCondLst>
+                                  <p:childTnLst>
+                                    <p:set>
+                                      <p:cBhvr>
+                                        <p:cTn id="41" dur="1" fill="hold">
+                                          <p:stCondLst>
+                                            <p:cond delay="0"/>
+                                          </p:stCondLst>
+                                        </p:cTn>
+                                        <p:tgtEl>
+                                          <p:spTgt spid="22"/>
+                                        </p:tgtEl>
+                                        <p:attrNameLst>
+                                          <p:attrName>style.visibility</p:attrName>
+                                        </p:attrNameLst>
+                                      </p:cBhvr>
+                                      <p:to>
+                                        <p:strVal val="visible"/>
+                                      </p:to>
+                                    </p:set>
+                                    <p:animEffect transition="in" filter="fade">
+                                      <p:cBhvr>
+                                        <p:cTn id="42" dur="500"/>
+                                        <p:tgtEl>
+                                          <p:spTgt spid="22"/>
+                                        </p:tgtEl>
+                                      </p:cBhvr>
+                                    </p:animEffect>
+                                  </p:childTnLst>
+                                </p:cTn>
+                              </p:par>
+                              <p:par>
+                                <p:cTn id="43" presetID="10" presetClass="entr" presetSubtype="0" fill="hold" grpId="0" nodeType="withEffect">
+                                  <p:stCondLst>
+                                    <p:cond delay="0"/>
+                                  </p:stCondLst>
+                                  <p:childTnLst>
+                                    <p:set>
+                                      <p:cBhvr>
+                                        <p:cTn id="44" dur="1" fill="hold">
+                                          <p:stCondLst>
+                                            <p:cond delay="0"/>
+                                          </p:stCondLst>
+                                        </p:cTn>
+                                        <p:tgtEl>
+                                          <p:spTgt spid="23"/>
+                                        </p:tgtEl>
+                                        <p:attrNameLst>
+                                          <p:attrName>style.visibility</p:attrName>
+                                        </p:attrNameLst>
+                                      </p:cBhvr>
+                                      <p:to>
+                                        <p:strVal val="visible"/>
+                                      </p:to>
+                                    </p:set>
+                                    <p:animEffect transition="in" filter="fade">
+                                      <p:cBhvr>
+                                        <p:cTn id="45" dur="500"/>
+                                        <p:tgtEl>
+                                          <p:spTgt spid="23"/>
+                                        </p:tgtEl>
+                                      </p:cBhvr>
+                                    </p:animEffect>
+                                  </p:childTnLst>
+                                </p:cTn>
+                              </p:par>
+                            </p:childTnLst>
+                          </p:cTn>
+                        </p:par>
+                      </p:childTnLst>
+                    </p:cTn>
+                  </p:par>
+                  <p:par>
+                    <p:cTn id="46" fill="hold">
+                      <p:stCondLst>
+                        <p:cond delay="indefinite"/>
+                      </p:stCondLst>
+                      <p:childTnLst>
+                        <p:par>
+                          <p:cTn id="47" fill="hold">
+                            <p:stCondLst>
+                              <p:cond delay="0"/>
+                            </p:stCondLst>
+                            <p:childTnLst>
+                              <p:par>
+                                <p:cTn id="48" presetID="10" presetClass="entr" presetSubtype="0" fill="hold" grpId="0" nodeType="clickEffect">
+                                  <p:stCondLst>
+                                    <p:cond delay="0"/>
+                                  </p:stCondLst>
+                                  <p:childTnLst>
+                                    <p:set>
+                                      <p:cBhvr>
+                                        <p:cTn id="49" dur="1" fill="hold">
+                                          <p:stCondLst>
+                                            <p:cond delay="0"/>
+                                          </p:stCondLst>
+                                        </p:cTn>
+                                        <p:tgtEl>
+                                          <p:spTgt spid="9"/>
+                                        </p:tgtEl>
+                                        <p:attrNameLst>
+                                          <p:attrName>style.visibility</p:attrName>
+                                        </p:attrNameLst>
+                                      </p:cBhvr>
+                                      <p:to>
+                                        <p:strVal val="visible"/>
+                                      </p:to>
+                                    </p:set>
+                                    <p:animEffect transition="in" filter="fade">
+                                      <p:cBhvr>
+                                        <p:cTn id="50" dur="500"/>
+                                        <p:tgtEl>
+                                          <p:spTgt spid="9"/>
+                                        </p:tgtEl>
+                                      </p:cBhvr>
+                                    </p:animEffect>
+                                  </p:childTnLst>
+                                </p:cTn>
+                              </p:par>
+                            </p:childTnLst>
+                          </p:cTn>
+                        </p:par>
+                      </p:childTnLst>
+                    </p:cTn>
+                  </p:par>
+                  <p:par>
+                    <p:cTn id="51" fill="hold">
+                      <p:stCondLst>
+                        <p:cond delay="indefinite"/>
+                      </p:stCondLst>
+                      <p:childTnLst>
+                        <p:par>
+                          <p:cTn id="52" fill="hold">
+                            <p:stCondLst>
+                              <p:cond delay="0"/>
+                            </p:stCondLst>
+                            <p:childTnLst>
+                              <p:par>
+                                <p:cTn id="53" presetID="10" presetClass="entr" presetSubtype="0" fill="hold" grpId="0" nodeType="clickEffect">
+                                  <p:stCondLst>
+                                    <p:cond delay="0"/>
+                                  </p:stCondLst>
+                                  <p:childTnLst>
+                                    <p:set>
+                                      <p:cBhvr>
+                                        <p:cTn id="54" dur="1" fill="hold">
+                                          <p:stCondLst>
+                                            <p:cond delay="0"/>
+                                          </p:stCondLst>
+                                        </p:cTn>
+                                        <p:tgtEl>
+                                          <p:spTgt spid="10"/>
+                                        </p:tgtEl>
+                                        <p:attrNameLst>
+                                          <p:attrName>style.visibility</p:attrName>
+                                        </p:attrNameLst>
+                                      </p:cBhvr>
+                                      <p:to>
+                                        <p:strVal val="visible"/>
+                                      </p:to>
+                                    </p:set>
+                                    <p:animEffect transition="in" filter="fade">
+                                      <p:cBhvr>
+                                        <p:cTn id="55" dur="500"/>
+                                        <p:tgtEl>
+                                          <p:spTgt spid="10"/>
+                                        </p:tgtEl>
+                                      </p:cBhvr>
+                                    </p:animEffect>
+                                  </p:childTnLst>
+                                </p:cTn>
+                              </p:par>
+                            </p:childTnLst>
+                          </p:cTn>
+                        </p:par>
+                      </p:childTnLst>
+                    </p:cTn>
+                  </p:par>
+                  <p:par>
+                    <p:cTn id="56" fill="hold">
+                      <p:stCondLst>
+                        <p:cond delay="indefinite"/>
+                      </p:stCondLst>
+                      <p:childTnLst>
+                        <p:par>
+                          <p:cTn id="57" fill="hold">
+                            <p:stCondLst>
+                              <p:cond delay="0"/>
+                            </p:stCondLst>
+                            <p:childTnLst>
+                              <p:par>
+                                <p:cTn id="58" presetID="10" presetClass="entr" presetSubtype="0" fill="hold" grpId="0" nodeType="clickEffect">
+                                  <p:stCondLst>
+                                    <p:cond delay="0"/>
+                                  </p:stCondLst>
+                                  <p:childTnLst>
+                                    <p:set>
+                                      <p:cBhvr>
+                                        <p:cTn id="59" dur="1" fill="hold">
+                                          <p:stCondLst>
+                                            <p:cond delay="0"/>
+                                          </p:stCondLst>
+                                        </p:cTn>
+                                        <p:tgtEl>
+                                          <p:spTgt spid="13"/>
+                                        </p:tgtEl>
+                                        <p:attrNameLst>
+                                          <p:attrName>style.visibility</p:attrName>
+                                        </p:attrNameLst>
+                                      </p:cBhvr>
+                                      <p:to>
+                                        <p:strVal val="visible"/>
+                                      </p:to>
+                                    </p:set>
+                                    <p:animEffect transition="in" filter="fade">
+                                      <p:cBhvr>
+                                        <p:cTn id="60" dur="500"/>
+                                        <p:tgtEl>
+                                          <p:spTgt spid="13"/>
+                                        </p:tgtEl>
+                                      </p:cBhvr>
+                                    </p:animEffect>
+                                  </p:childTnLst>
+                                </p:cTn>
+                              </p:par>
+                            </p:childTnLst>
+                          </p:cTn>
+                        </p:par>
+                      </p:childTnLst>
+                    </p:cTn>
+                  </p:par>
+                </p:childTnLst>
+              </p:cTn>
+              <p:prevCondLst>
+                <p:cond evt="onPrev" delay="0">
+                  <p:tgtEl>
+                    <p:sldTgt/>
+                  </p:tgtEl>
+                </p:cond>
+              </p:prevCondLst>
+              <p:nextCondLst>
+                <p:cond evt="onNext" delay="0">
+                  <p:tgtEl>
+                    <p:sldTgt/>
+                  </p:tgtEl>
+                </p:cond>
+              </p:nextCondLst>
+            </p:seq>
+          </p:childTnLst>
+        </p:cTn>
+      </p:par>
+    </p:tnLst>
+    <p:bldLst>
+      <p:bldP spid="9" grpId="0" animBg="1"/>
+      <p:bldP spid="4" grpId="0" animBg="1"/>
+      <p:bldP spid="5" grpId="0" animBg="1"/>
+      <p:bldP spid="6" grpId="0" animBg="1"/>
+      <p:bldP spid="7" grpId="0" animBg="1"/>
+      <p:bldP spid="8" grpId="0" animBg="1"/>
+      <p:bldP spid="10" grpId="0" animBg="1"/>
+      <p:bldP spid="11" grpId="0" animBg="1"/>
+      <p:bldP spid="12" grpId="0" animBg="1"/>
+      <p:bldP spid="13" grpId="0" animBg="1"/>
+      <p:bldP spid="14" grpId="0" animBg="1"/>
+      <p:bldP spid="19" grpId="0" animBg="1"/>
+      <p:bldP spid="20" grpId="0" animBg="1"/>
+      <p:bldP spid="21" grpId="0" animBg="1"/>
+      <p:bldP spid="22" grpId="0" animBg="1"/>
+      <p:bldP spid="23" grpId="0" animBg="1"/>
+    </p:bldLst>
+  </p:timing>
 </p:sld>
 </file>
 

--- a/api-days-interface-2020/img/product-platform-program-strategy.pptx
+++ b/api-days-interface-2020/img/product-platform-program-strategy.pptx
@@ -4470,6 +4470,55 @@
               <a:latin typeface="Arial Rounded MT Bold" panose="020F0704030504030204" pitchFamily="34" charset="77"/>
               <a:cs typeface="Gurmukhi Sangam MN" pitchFamily="2" charset="0"/>
             </a:endParaRPr>
+          </a:p>
+        </p:txBody>
+      </p:sp>
+      <p:sp>
+        <p:nvSpPr>
+          <p:cNvPr id="2" name="Down Arrow 1">
+            <a:extLst>
+              <a:ext uri="{FF2B5EF4-FFF2-40B4-BE49-F238E27FC236}">
+                <a16:creationId xmlns:a16="http://schemas.microsoft.com/office/drawing/2014/main" id="{9C880E7C-9723-6D42-9C88-70D130B452FF}"/>
+              </a:ext>
+            </a:extLst>
+          </p:cNvPr>
+          <p:cNvSpPr/>
+          <p:nvPr/>
+        </p:nvSpPr>
+        <p:spPr>
+          <a:xfrm rot="10800000">
+            <a:off x="2038120" y="3317357"/>
+            <a:ext cx="969245" cy="2444667"/>
+          </a:xfrm>
+          <a:prstGeom prst="downArrow">
+            <a:avLst/>
+          </a:prstGeom>
+        </p:spPr>
+        <p:style>
+          <a:lnRef idx="2">
+            <a:schemeClr val="accent1">
+              <a:shade val="50000"/>
+            </a:schemeClr>
+          </a:lnRef>
+          <a:fillRef idx="1">
+            <a:schemeClr val="accent1"/>
+          </a:fillRef>
+          <a:effectRef idx="0">
+            <a:schemeClr val="accent1"/>
+          </a:effectRef>
+          <a:fontRef idx="minor">
+            <a:schemeClr val="lt1"/>
+          </a:fontRef>
+        </p:style>
+        <p:txBody>
+          <a:bodyPr vert="vert" rtlCol="0" anchor="ctr"/>
+          <a:lstStyle/>
+          <a:p>
+            <a:pPr algn="ctr"/>
+            <a:r>
+              <a:rPr lang="en-US" sz="2000" dirty="0"/>
+              <a:t>API Guidelines</a:t>
+            </a:r>
           </a:p>
         </p:txBody>
       </p:sp>
@@ -5141,6 +5190,59 @@
                       </p:childTnLst>
                     </p:cTn>
                   </p:par>
+                  <p:par>
+                    <p:cTn id="61" fill="hold">
+                      <p:stCondLst>
+                        <p:cond delay="indefinite"/>
+                      </p:stCondLst>
+                      <p:childTnLst>
+                        <p:par>
+                          <p:cTn id="62" fill="hold">
+                            <p:stCondLst>
+                              <p:cond delay="0"/>
+                            </p:stCondLst>
+                            <p:childTnLst>
+                              <p:par>
+                                <p:cTn id="63" presetID="10" presetClass="entr" presetSubtype="0" fill="hold" grpId="0" nodeType="clickEffect">
+                                  <p:stCondLst>
+                                    <p:cond delay="0"/>
+                                  </p:stCondLst>
+                                  <p:childTnLst>
+                                    <p:set>
+                                      <p:cBhvr>
+                                        <p:cTn id="64" dur="1" fill="hold">
+                                          <p:stCondLst>
+                                            <p:cond delay="0"/>
+                                          </p:stCondLst>
+                                        </p:cTn>
+                                        <p:tgtEl>
+                                          <p:spTgt spid="2"/>
+                                        </p:tgtEl>
+                                        <p:attrNameLst>
+                                          <p:attrName>style.visibility</p:attrName>
+                                        </p:attrNameLst>
+                                      </p:cBhvr>
+                                      <p:to>
+                                        <p:strVal val="visible"/>
+                                      </p:to>
+                                    </p:set>
+                                    <p:animEffect transition="in" filter="fade">
+                                      <p:cBhvr>
+                                        <p:cTn id="65" dur="500"/>
+                                        <p:tgtEl>
+                                          <p:spTgt spid="2"/>
+                                        </p:tgtEl>
+                                      </p:cBhvr>
+                                    </p:animEffect>
+                                  </p:childTnLst>
+                                </p:cTn>
+                              </p:par>
+                            </p:childTnLst>
+                          </p:cTn>
+                        </p:par>
+                      </p:childTnLst>
+                    </p:cTn>
+                  </p:par>
                 </p:childTnLst>
               </p:cTn>
               <p:prevCondLst>
@@ -5179,6 +5281,7 @@
       <p:bldP spid="21" grpId="0" animBg="1"/>
       <p:bldP spid="22" grpId="0" animBg="1"/>
       <p:bldP spid="23" grpId="0" animBg="1"/>
+      <p:bldP spid="2" grpId="0" animBg="1"/>
     </p:bldLst>
   </p:timing>
 </p:sld>
